--- a/Thiết kế và phát triển website 2.pptx
+++ b/Thiết kế và phát triển website 2.pptx
@@ -6653,8 +6653,8 @@
   <p:clrMapOvr>
     <a:masterClrMapping/>
   </p:clrMapOvr>
-  <mc:AlternateContent xmlns:mc="http://schemas.openxmlformats.org/markup-compatibility/2006">
-    <mc:Choice xmlns:p14="http://schemas.microsoft.com/office/powerpoint/2010/main" Requires="p14">
+  <mc:AlternateContent xmlns:mc="http://schemas.openxmlformats.org/markup-compatibility/2006" xmlns:p14="http://schemas.microsoft.com/office/powerpoint/2010/main">
+    <mc:Choice Requires="p14">
       <p:timing>
         <p:tnLst>
           <p:par>
@@ -7030,7 +7030,7 @@
         </p:bldLst>
       </p:timing>
     </mc:Choice>
-    <mc:Fallback>
+    <mc:Fallback xmlns="">
       <p:timing>
         <p:tnLst>
           <p:par>
@@ -9317,7 +9317,7 @@
         </p:blipFill>
         <p:spPr bwMode="auto">
           <a:xfrm>
-            <a:off x="8244279" y="2167254"/>
+            <a:off x="7819553" y="2167254"/>
             <a:ext cx="3057525" cy="2523490"/>
           </a:xfrm>
           <a:prstGeom prst="rect">
@@ -9358,7 +9358,7 @@
         </p:blipFill>
         <p:spPr bwMode="auto">
           <a:xfrm>
-            <a:off x="8244279" y="1864489"/>
+            <a:off x="7819553" y="1864489"/>
             <a:ext cx="3057525" cy="3129021"/>
           </a:xfrm>
           <a:prstGeom prst="rect">
@@ -9370,88 +9370,109 @@
           </a:ln>
         </p:spPr>
       </p:pic>
-      <p:pic>
-        <p:nvPicPr>
-          <p:cNvPr id="8" name="Picture 7">
+      <p:grpSp>
+        <p:nvGrpSpPr>
+          <p:cNvPr id="4" name="Group 3">
             <a:extLst>
               <a:ext uri="{FF2B5EF4-FFF2-40B4-BE49-F238E27FC236}">
-                <a16:creationId xmlns:a16="http://schemas.microsoft.com/office/drawing/2014/main" id="{27CAB9E2-ADB8-FA30-1015-CB84761C01CB}"/>
+                <a16:creationId xmlns:a16="http://schemas.microsoft.com/office/drawing/2014/main" id="{5F096324-F01F-408C-B0EC-DB218E99FE15}"/>
               </a:ext>
             </a:extLst>
           </p:cNvPr>
-          <p:cNvPicPr>
-            <a:picLocks noChangeAspect="1"/>
-          </p:cNvPicPr>
+          <p:cNvGrpSpPr/>
           <p:nvPr/>
-        </p:nvPicPr>
-        <p:blipFill>
-          <a:blip r:embed="rId5">
-            <a:extLst>
-              <a:ext uri="{28A0092B-C50C-407E-A947-70E740481C1C}">
-                <a14:useLocalDpi xmlns:a14="http://schemas.microsoft.com/office/drawing/2010/main" val="0"/>
-              </a:ext>
-            </a:extLst>
-          </a:blip>
-          <a:srcRect/>
-          <a:stretch>
-            <a:fillRect/>
-          </a:stretch>
-        </p:blipFill>
-        <p:spPr bwMode="auto">
+        </p:nvGrpSpPr>
+        <p:grpSpPr>
           <a:xfrm>
-            <a:off x="8241104" y="2621597"/>
-            <a:ext cx="3063875" cy="1614805"/>
+            <a:off x="7816378" y="1862886"/>
+            <a:ext cx="3063875" cy="3397404"/>
+            <a:chOff x="8241104" y="2621597"/>
+            <a:chExt cx="3063875" cy="3397404"/>
           </a:xfrm>
-          <a:prstGeom prst="rect">
-            <a:avLst/>
-          </a:prstGeom>
-          <a:noFill/>
-          <a:ln>
+        </p:grpSpPr>
+        <p:pic>
+          <p:nvPicPr>
+            <p:cNvPr id="8" name="Picture 7">
+              <a:extLst>
+                <a:ext uri="{FF2B5EF4-FFF2-40B4-BE49-F238E27FC236}">
+                  <a16:creationId xmlns:a16="http://schemas.microsoft.com/office/drawing/2014/main" id="{27CAB9E2-ADB8-FA30-1015-CB84761C01CB}"/>
+                </a:ext>
+              </a:extLst>
+            </p:cNvPr>
+            <p:cNvPicPr>
+              <a:picLocks noChangeAspect="1"/>
+            </p:cNvPicPr>
+            <p:nvPr/>
+          </p:nvPicPr>
+          <p:blipFill>
+            <a:blip r:embed="rId5">
+              <a:extLst>
+                <a:ext uri="{28A0092B-C50C-407E-A947-70E740481C1C}">
+                  <a14:useLocalDpi xmlns:a14="http://schemas.microsoft.com/office/drawing/2010/main" val="0"/>
+                </a:ext>
+              </a:extLst>
+            </a:blip>
+            <a:srcRect/>
+            <a:stretch>
+              <a:fillRect/>
+            </a:stretch>
+          </p:blipFill>
+          <p:spPr bwMode="auto">
+            <a:xfrm>
+              <a:off x="8241104" y="2621597"/>
+              <a:ext cx="3063875" cy="1614805"/>
+            </a:xfrm>
+            <a:prstGeom prst="rect">
+              <a:avLst/>
+            </a:prstGeom>
             <a:noFill/>
-          </a:ln>
-        </p:spPr>
-      </p:pic>
-      <p:pic>
-        <p:nvPicPr>
-          <p:cNvPr id="9" name="Picture 8">
-            <a:extLst>
-              <a:ext uri="{FF2B5EF4-FFF2-40B4-BE49-F238E27FC236}">
-                <a16:creationId xmlns:a16="http://schemas.microsoft.com/office/drawing/2014/main" id="{CBBEF6D1-ABC6-DE65-808D-D76AEA9254C6}"/>
-              </a:ext>
-            </a:extLst>
-          </p:cNvPr>
-          <p:cNvPicPr>
-            <a:picLocks noChangeAspect="1"/>
-          </p:cNvPicPr>
-          <p:nvPr/>
-        </p:nvPicPr>
-        <p:blipFill>
-          <a:blip r:embed="rId6">
-            <a:extLst>
-              <a:ext uri="{28A0092B-C50C-407E-A947-70E740481C1C}">
-                <a14:useLocalDpi xmlns:a14="http://schemas.microsoft.com/office/drawing/2010/main" val="0"/>
-              </a:ext>
-            </a:extLst>
-          </a:blip>
-          <a:srcRect/>
-          <a:stretch>
-            <a:fillRect/>
-          </a:stretch>
-        </p:blipFill>
-        <p:spPr bwMode="auto">
-          <a:xfrm>
-            <a:off x="8241104" y="2775902"/>
-            <a:ext cx="3063875" cy="1306195"/>
-          </a:xfrm>
-          <a:prstGeom prst="rect">
-            <a:avLst/>
-          </a:prstGeom>
-          <a:noFill/>
-          <a:ln>
+            <a:ln>
+              <a:noFill/>
+            </a:ln>
+          </p:spPr>
+        </p:pic>
+        <p:pic>
+          <p:nvPicPr>
+            <p:cNvPr id="9" name="Picture 8">
+              <a:extLst>
+                <a:ext uri="{FF2B5EF4-FFF2-40B4-BE49-F238E27FC236}">
+                  <a16:creationId xmlns:a16="http://schemas.microsoft.com/office/drawing/2014/main" id="{CBBEF6D1-ABC6-DE65-808D-D76AEA9254C6}"/>
+                </a:ext>
+              </a:extLst>
+            </p:cNvPr>
+            <p:cNvPicPr>
+              <a:picLocks noChangeAspect="1"/>
+            </p:cNvPicPr>
+            <p:nvPr/>
+          </p:nvPicPr>
+          <p:blipFill>
+            <a:blip r:embed="rId6">
+              <a:extLst>
+                <a:ext uri="{28A0092B-C50C-407E-A947-70E740481C1C}">
+                  <a14:useLocalDpi xmlns:a14="http://schemas.microsoft.com/office/drawing/2010/main" val="0"/>
+                </a:ext>
+              </a:extLst>
+            </a:blip>
+            <a:srcRect/>
+            <a:stretch>
+              <a:fillRect/>
+            </a:stretch>
+          </p:blipFill>
+          <p:spPr bwMode="auto">
+            <a:xfrm>
+              <a:off x="8241104" y="4712806"/>
+              <a:ext cx="3063875" cy="1306195"/>
+            </a:xfrm>
+            <a:prstGeom prst="rect">
+              <a:avLst/>
+            </a:prstGeom>
             <a:noFill/>
-          </a:ln>
-        </p:spPr>
-      </p:pic>
+            <a:ln>
+              <a:noFill/>
+            </a:ln>
+          </p:spPr>
+        </p:pic>
+      </p:grpSp>
       <p:pic>
         <p:nvPicPr>
           <p:cNvPr id="10" name="Picture 9">
@@ -9481,7 +9502,7 @@
         </p:blipFill>
         <p:spPr bwMode="auto">
           <a:xfrm>
-            <a:off x="8241104" y="1558607"/>
+            <a:off x="7816378" y="1558607"/>
             <a:ext cx="3063875" cy="3740785"/>
           </a:xfrm>
           <a:prstGeom prst="rect">
@@ -9522,7 +9543,7 @@
         </p:blipFill>
         <p:spPr bwMode="auto">
           <a:xfrm>
-            <a:off x="8241104" y="2621597"/>
+            <a:off x="7816378" y="2621597"/>
             <a:ext cx="3063875" cy="1614805"/>
           </a:xfrm>
           <a:prstGeom prst="rect">
@@ -9563,7 +9584,7 @@
         </p:blipFill>
         <p:spPr bwMode="auto">
           <a:xfrm>
-            <a:off x="8241104" y="2015807"/>
+            <a:off x="7816378" y="2015807"/>
             <a:ext cx="3063875" cy="2826385"/>
           </a:xfrm>
           <a:prstGeom prst="rect">
@@ -9575,88 +9596,109 @@
           </a:ln>
         </p:spPr>
       </p:pic>
-      <p:pic>
-        <p:nvPicPr>
-          <p:cNvPr id="13" name="Picture 12">
+      <p:grpSp>
+        <p:nvGrpSpPr>
+          <p:cNvPr id="15" name="Group 14">
             <a:extLst>
               <a:ext uri="{FF2B5EF4-FFF2-40B4-BE49-F238E27FC236}">
-                <a16:creationId xmlns:a16="http://schemas.microsoft.com/office/drawing/2014/main" id="{0C2F5677-B5FA-D86E-A124-329C7CB4F9D9}"/>
+                <a16:creationId xmlns:a16="http://schemas.microsoft.com/office/drawing/2014/main" id="{E86C1271-50AA-4E99-A0C2-F0B750D0FD3B}"/>
               </a:ext>
             </a:extLst>
           </p:cNvPr>
-          <p:cNvPicPr>
-            <a:picLocks noChangeAspect="1"/>
-          </p:cNvPicPr>
+          <p:cNvGrpSpPr/>
           <p:nvPr/>
-        </p:nvPicPr>
-        <p:blipFill>
-          <a:blip r:embed="rId10">
-            <a:extLst>
-              <a:ext uri="{28A0092B-C50C-407E-A947-70E740481C1C}">
-                <a14:useLocalDpi xmlns:a14="http://schemas.microsoft.com/office/drawing/2010/main" val="0"/>
-              </a:ext>
-            </a:extLst>
-          </a:blip>
-          <a:srcRect/>
-          <a:stretch>
-            <a:fillRect/>
-          </a:stretch>
-        </p:blipFill>
-        <p:spPr bwMode="auto">
+        </p:nvGrpSpPr>
+        <p:grpSpPr>
           <a:xfrm>
-            <a:off x="8241104" y="2621597"/>
-            <a:ext cx="3063875" cy="1614805"/>
+            <a:off x="7816378" y="1480210"/>
+            <a:ext cx="3063875" cy="3897580"/>
+            <a:chOff x="7977150" y="2621597"/>
+            <a:chExt cx="3063875" cy="3897580"/>
           </a:xfrm>
-          <a:prstGeom prst="rect">
-            <a:avLst/>
-          </a:prstGeom>
-          <a:noFill/>
-          <a:ln>
+        </p:grpSpPr>
+        <p:pic>
+          <p:nvPicPr>
+            <p:cNvPr id="13" name="Picture 12">
+              <a:extLst>
+                <a:ext uri="{FF2B5EF4-FFF2-40B4-BE49-F238E27FC236}">
+                  <a16:creationId xmlns:a16="http://schemas.microsoft.com/office/drawing/2014/main" id="{0C2F5677-B5FA-D86E-A124-329C7CB4F9D9}"/>
+                </a:ext>
+              </a:extLst>
+            </p:cNvPr>
+            <p:cNvPicPr>
+              <a:picLocks noChangeAspect="1"/>
+            </p:cNvPicPr>
+            <p:nvPr/>
+          </p:nvPicPr>
+          <p:blipFill>
+            <a:blip r:embed="rId10">
+              <a:extLst>
+                <a:ext uri="{28A0092B-C50C-407E-A947-70E740481C1C}">
+                  <a14:useLocalDpi xmlns:a14="http://schemas.microsoft.com/office/drawing/2010/main" val="0"/>
+                </a:ext>
+              </a:extLst>
+            </a:blip>
+            <a:srcRect/>
+            <a:stretch>
+              <a:fillRect/>
+            </a:stretch>
+          </p:blipFill>
+          <p:spPr bwMode="auto">
+            <a:xfrm>
+              <a:off x="7977150" y="2621597"/>
+              <a:ext cx="3063875" cy="1614805"/>
+            </a:xfrm>
+            <a:prstGeom prst="rect">
+              <a:avLst/>
+            </a:prstGeom>
             <a:noFill/>
-          </a:ln>
-        </p:spPr>
-      </p:pic>
-      <p:pic>
-        <p:nvPicPr>
-          <p:cNvPr id="14" name="Picture 13">
-            <a:extLst>
-              <a:ext uri="{FF2B5EF4-FFF2-40B4-BE49-F238E27FC236}">
-                <a16:creationId xmlns:a16="http://schemas.microsoft.com/office/drawing/2014/main" id="{A81B1619-BF32-1947-0E97-1752B007DAA5}"/>
-              </a:ext>
-            </a:extLst>
-          </p:cNvPr>
-          <p:cNvPicPr>
-            <a:picLocks noChangeAspect="1"/>
-          </p:cNvPicPr>
-          <p:nvPr/>
-        </p:nvPicPr>
-        <p:blipFill>
-          <a:blip r:embed="rId11">
-            <a:extLst>
-              <a:ext uri="{28A0092B-C50C-407E-A947-70E740481C1C}">
-                <a14:useLocalDpi xmlns:a14="http://schemas.microsoft.com/office/drawing/2010/main" val="0"/>
-              </a:ext>
-            </a:extLst>
-          </a:blip>
-          <a:srcRect/>
-          <a:stretch>
-            <a:fillRect/>
-          </a:stretch>
-        </p:blipFill>
-        <p:spPr bwMode="auto">
-          <a:xfrm>
-            <a:off x="8241104" y="2473007"/>
-            <a:ext cx="3063875" cy="1911985"/>
-          </a:xfrm>
-          <a:prstGeom prst="rect">
-            <a:avLst/>
-          </a:prstGeom>
-          <a:noFill/>
-          <a:ln>
+            <a:ln>
+              <a:noFill/>
+            </a:ln>
+          </p:spPr>
+        </p:pic>
+        <p:pic>
+          <p:nvPicPr>
+            <p:cNvPr id="14" name="Picture 13">
+              <a:extLst>
+                <a:ext uri="{FF2B5EF4-FFF2-40B4-BE49-F238E27FC236}">
+                  <a16:creationId xmlns:a16="http://schemas.microsoft.com/office/drawing/2014/main" id="{A81B1619-BF32-1947-0E97-1752B007DAA5}"/>
+                </a:ext>
+              </a:extLst>
+            </p:cNvPr>
+            <p:cNvPicPr>
+              <a:picLocks noChangeAspect="1"/>
+            </p:cNvPicPr>
+            <p:nvPr/>
+          </p:nvPicPr>
+          <p:blipFill>
+            <a:blip r:embed="rId11">
+              <a:extLst>
+                <a:ext uri="{28A0092B-C50C-407E-A947-70E740481C1C}">
+                  <a14:useLocalDpi xmlns:a14="http://schemas.microsoft.com/office/drawing/2010/main" val="0"/>
+                </a:ext>
+              </a:extLst>
+            </a:blip>
+            <a:srcRect/>
+            <a:stretch>
+              <a:fillRect/>
+            </a:stretch>
+          </p:blipFill>
+          <p:spPr bwMode="auto">
+            <a:xfrm>
+              <a:off x="7977150" y="4607192"/>
+              <a:ext cx="3063875" cy="1911985"/>
+            </a:xfrm>
+            <a:prstGeom prst="rect">
+              <a:avLst/>
+            </a:prstGeom>
             <a:noFill/>
-          </a:ln>
-        </p:spPr>
-      </p:pic>
+            <a:ln>
+              <a:noFill/>
+            </a:ln>
+          </p:spPr>
+        </p:pic>
+      </p:grpSp>
       <p:sp>
         <p:nvSpPr>
           <p:cNvPr id="2" name="TextBox 1">
@@ -10340,7 +10382,7 @@
                                               </p:stCondLst>
                                             </p:cTn>
                                             <p:tgtEl>
-                                              <p:spTgt spid="8"/>
+                                              <p:spTgt spid="4"/>
                                             </p:tgtEl>
                                             <p:attrNameLst>
                                               <p:attrName>style.visibility</p:attrName>
@@ -10354,7 +10396,7 @@
                                           <p:cBhvr additive="base">
                                             <p:cTn id="43" dur="1500" fill="hold"/>
                                             <p:tgtEl>
-                                              <p:spTgt spid="8"/>
+                                              <p:spTgt spid="4"/>
                                             </p:tgtEl>
                                             <p:attrNameLst>
                                               <p:attrName>ppt_x</p:attrName>
@@ -10377,7 +10419,7 @@
                                           <p:cBhvr additive="base">
                                             <p:cTn id="44" dur="1500" fill="hold"/>
                                             <p:tgtEl>
-                                              <p:spTgt spid="8"/>
+                                              <p:spTgt spid="4"/>
                                             </p:tgtEl>
                                             <p:attrNameLst>
                                               <p:attrName>ppt_y</p:attrName>
@@ -10427,7 +10469,7 @@
                                           <p:cBhvr additive="base">
                                             <p:cTn id="48" dur="500"/>
                                             <p:tgtEl>
-                                              <p:spTgt spid="8"/>
+                                              <p:spTgt spid="4"/>
                                             </p:tgtEl>
                                             <p:attrNameLst>
                                               <p:attrName>ppt_x</p:attrName>
@@ -10450,7 +10492,7 @@
                                           <p:cBhvr additive="base">
                                             <p:cTn id="49" dur="500"/>
                                             <p:tgtEl>
-                                              <p:spTgt spid="8"/>
+                                              <p:spTgt spid="4"/>
                                             </p:tgtEl>
                                             <p:attrNameLst>
                                               <p:attrName>ppt_y</p:attrName>
@@ -10477,7 +10519,7 @@
                                               </p:stCondLst>
                                             </p:cTn>
                                             <p:tgtEl>
-                                              <p:spTgt spid="8"/>
+                                              <p:spTgt spid="4"/>
                                             </p:tgtEl>
                                             <p:attrNameLst>
                                               <p:attrName>style.visibility</p:attrName>
@@ -10513,7 +10555,7 @@
                                               </p:stCondLst>
                                             </p:cTn>
                                             <p:tgtEl>
-                                              <p:spTgt spid="9"/>
+                                              <p:spTgt spid="10"/>
                                             </p:tgtEl>
                                             <p:attrNameLst>
                                               <p:attrName>style.visibility</p:attrName>
@@ -10527,7 +10569,7 @@
                                           <p:cBhvr additive="base">
                                             <p:cTn id="54" dur="1500" fill="hold"/>
                                             <p:tgtEl>
-                                              <p:spTgt spid="9"/>
+                                              <p:spTgt spid="10"/>
                                             </p:tgtEl>
                                             <p:attrNameLst>
                                               <p:attrName>ppt_x</p:attrName>
@@ -10550,7 +10592,7 @@
                                           <p:cBhvr additive="base">
                                             <p:cTn id="55" dur="1500" fill="hold"/>
                                             <p:tgtEl>
-                                              <p:spTgt spid="9"/>
+                                              <p:spTgt spid="10"/>
                                             </p:tgtEl>
                                             <p:attrNameLst>
                                               <p:attrName>ppt_y</p:attrName>
@@ -10600,7 +10642,7 @@
                                           <p:cBhvr additive="base">
                                             <p:cTn id="59" dur="500"/>
                                             <p:tgtEl>
-                                              <p:spTgt spid="9"/>
+                                              <p:spTgt spid="10"/>
                                             </p:tgtEl>
                                             <p:attrNameLst>
                                               <p:attrName>ppt_x</p:attrName>
@@ -10623,7 +10665,7 @@
                                           <p:cBhvr additive="base">
                                             <p:cTn id="60" dur="500"/>
                                             <p:tgtEl>
-                                              <p:spTgt spid="9"/>
+                                              <p:spTgt spid="10"/>
                                             </p:tgtEl>
                                             <p:attrNameLst>
                                               <p:attrName>ppt_y</p:attrName>
@@ -10650,7 +10692,7 @@
                                               </p:stCondLst>
                                             </p:cTn>
                                             <p:tgtEl>
-                                              <p:spTgt spid="9"/>
+                                              <p:spTgt spid="10"/>
                                             </p:tgtEl>
                                             <p:attrNameLst>
                                               <p:attrName>style.visibility</p:attrName>
@@ -10686,7 +10728,7 @@
                                               </p:stCondLst>
                                             </p:cTn>
                                             <p:tgtEl>
-                                              <p:spTgt spid="10"/>
+                                              <p:spTgt spid="11"/>
                                             </p:tgtEl>
                                             <p:attrNameLst>
                                               <p:attrName>style.visibility</p:attrName>
@@ -10700,7 +10742,7 @@
                                           <p:cBhvr additive="base">
                                             <p:cTn id="65" dur="1500" fill="hold"/>
                                             <p:tgtEl>
-                                              <p:spTgt spid="10"/>
+                                              <p:spTgt spid="11"/>
                                             </p:tgtEl>
                                             <p:attrNameLst>
                                               <p:attrName>ppt_x</p:attrName>
@@ -10723,7 +10765,7 @@
                                           <p:cBhvr additive="base">
                                             <p:cTn id="66" dur="1500" fill="hold"/>
                                             <p:tgtEl>
-                                              <p:spTgt spid="10"/>
+                                              <p:spTgt spid="11"/>
                                             </p:tgtEl>
                                             <p:attrNameLst>
                                               <p:attrName>ppt_y</p:attrName>
@@ -10773,7 +10815,7 @@
                                           <p:cBhvr additive="base">
                                             <p:cTn id="70" dur="500"/>
                                             <p:tgtEl>
-                                              <p:spTgt spid="10"/>
+                                              <p:spTgt spid="11"/>
                                             </p:tgtEl>
                                             <p:attrNameLst>
                                               <p:attrName>ppt_x</p:attrName>
@@ -10796,7 +10838,7 @@
                                           <p:cBhvr additive="base">
                                             <p:cTn id="71" dur="500"/>
                                             <p:tgtEl>
-                                              <p:spTgt spid="10"/>
+                                              <p:spTgt spid="11"/>
                                             </p:tgtEl>
                                             <p:attrNameLst>
                                               <p:attrName>ppt_y</p:attrName>
@@ -10823,7 +10865,7 @@
                                               </p:stCondLst>
                                             </p:cTn>
                                             <p:tgtEl>
-                                              <p:spTgt spid="10"/>
+                                              <p:spTgt spid="11"/>
                                             </p:tgtEl>
                                             <p:attrNameLst>
                                               <p:attrName>style.visibility</p:attrName>
@@ -10859,7 +10901,7 @@
                                               </p:stCondLst>
                                             </p:cTn>
                                             <p:tgtEl>
-                                              <p:spTgt spid="11"/>
+                                              <p:spTgt spid="12"/>
                                             </p:tgtEl>
                                             <p:attrNameLst>
                                               <p:attrName>style.visibility</p:attrName>
@@ -10873,7 +10915,7 @@
                                           <p:cBhvr additive="base">
                                             <p:cTn id="76" dur="1500" fill="hold"/>
                                             <p:tgtEl>
-                                              <p:spTgt spid="11"/>
+                                              <p:spTgt spid="12"/>
                                             </p:tgtEl>
                                             <p:attrNameLst>
                                               <p:attrName>ppt_x</p:attrName>
@@ -10896,7 +10938,7 @@
                                           <p:cBhvr additive="base">
                                             <p:cTn id="77" dur="1500" fill="hold"/>
                                             <p:tgtEl>
-                                              <p:spTgt spid="11"/>
+                                              <p:spTgt spid="12"/>
                                             </p:tgtEl>
                                             <p:attrNameLst>
                                               <p:attrName>ppt_y</p:attrName>
@@ -10946,7 +10988,7 @@
                                           <p:cBhvr additive="base">
                                             <p:cTn id="81" dur="500"/>
                                             <p:tgtEl>
-                                              <p:spTgt spid="11"/>
+                                              <p:spTgt spid="12"/>
                                             </p:tgtEl>
                                             <p:attrNameLst>
                                               <p:attrName>ppt_x</p:attrName>
@@ -10969,7 +11011,7 @@
                                           <p:cBhvr additive="base">
                                             <p:cTn id="82" dur="500"/>
                                             <p:tgtEl>
-                                              <p:spTgt spid="11"/>
+                                              <p:spTgt spid="12"/>
                                             </p:tgtEl>
                                             <p:attrNameLst>
                                               <p:attrName>ppt_y</p:attrName>
@@ -10996,7 +11038,7 @@
                                               </p:stCondLst>
                                             </p:cTn>
                                             <p:tgtEl>
-                                              <p:spTgt spid="11"/>
+                                              <p:spTgt spid="12"/>
                                             </p:tgtEl>
                                             <p:attrNameLst>
                                               <p:attrName>style.visibility</p:attrName>
@@ -11032,7 +11074,7 @@
                                               </p:stCondLst>
                                             </p:cTn>
                                             <p:tgtEl>
-                                              <p:spTgt spid="12"/>
+                                              <p:spTgt spid="15"/>
                                             </p:tgtEl>
                                             <p:attrNameLst>
                                               <p:attrName>style.visibility</p:attrName>
@@ -11046,7 +11088,7 @@
                                           <p:cBhvr additive="base">
                                             <p:cTn id="87" dur="1500" fill="hold"/>
                                             <p:tgtEl>
-                                              <p:spTgt spid="12"/>
+                                              <p:spTgt spid="15"/>
                                             </p:tgtEl>
                                             <p:attrNameLst>
                                               <p:attrName>ppt_x</p:attrName>
@@ -11069,7 +11111,7 @@
                                           <p:cBhvr additive="base">
                                             <p:cTn id="88" dur="1500" fill="hold"/>
                                             <p:tgtEl>
-                                              <p:spTgt spid="12"/>
+                                              <p:spTgt spid="15"/>
                                             </p:tgtEl>
                                             <p:attrNameLst>
                                               <p:attrName>ppt_y</p:attrName>
@@ -11119,7 +11161,7 @@
                                           <p:cBhvr additive="base">
                                             <p:cTn id="92" dur="500"/>
                                             <p:tgtEl>
-                                              <p:spTgt spid="12"/>
+                                              <p:spTgt spid="15"/>
                                             </p:tgtEl>
                                             <p:attrNameLst>
                                               <p:attrName>ppt_x</p:attrName>
@@ -11142,7 +11184,7 @@
                                           <p:cBhvr additive="base">
                                             <p:cTn id="93" dur="500"/>
                                             <p:tgtEl>
-                                              <p:spTgt spid="12"/>
+                                              <p:spTgt spid="15"/>
                                             </p:tgtEl>
                                             <p:attrNameLst>
                                               <p:attrName>ppt_y</p:attrName>
@@ -11169,7 +11211,153 @@
                                               </p:stCondLst>
                                             </p:cTn>
                                             <p:tgtEl>
-                                              <p:spTgt spid="12"/>
+                                              <p:spTgt spid="15"/>
+                                            </p:tgtEl>
+                                            <p:attrNameLst>
+                                              <p:attrName>style.visibility</p:attrName>
+                                            </p:attrNameLst>
+                                          </p:cBhvr>
+                                          <p:to>
+                                            <p:strVal val="hidden"/>
+                                          </p:to>
+                                        </p:set>
+                                      </p:childTnLst>
+                                    </p:cTn>
+                                  </p:par>
+                                  <p:par>
+                                    <p:cTn id="95" presetID="2" presetClass="exit" presetSubtype="1" fill="hold" grpId="1" nodeType="withEffect">
+                                      <p:stCondLst>
+                                        <p:cond delay="0"/>
+                                      </p:stCondLst>
+                                      <p:childTnLst>
+                                        <p:anim calcmode="lin" valueType="num">
+                                          <p:cBhvr additive="base">
+                                            <p:cTn id="96" dur="500"/>
+                                            <p:tgtEl>
+                                              <p:spTgt spid="3"/>
+                                            </p:tgtEl>
+                                            <p:attrNameLst>
+                                              <p:attrName>ppt_x</p:attrName>
+                                            </p:attrNameLst>
+                                          </p:cBhvr>
+                                          <p:tavLst>
+                                            <p:tav tm="0">
+                                              <p:val>
+                                                <p:strVal val="ppt_x"/>
+                                              </p:val>
+                                            </p:tav>
+                                            <p:tav tm="100000">
+                                              <p:val>
+                                                <p:strVal val="ppt_x"/>
+                                              </p:val>
+                                            </p:tav>
+                                          </p:tavLst>
+                                        </p:anim>
+                                        <p:anim calcmode="lin" valueType="num">
+                                          <p:cBhvr additive="base">
+                                            <p:cTn id="97" dur="500"/>
+                                            <p:tgtEl>
+                                              <p:spTgt spid="3"/>
+                                            </p:tgtEl>
+                                            <p:attrNameLst>
+                                              <p:attrName>ppt_y</p:attrName>
+                                            </p:attrNameLst>
+                                          </p:cBhvr>
+                                          <p:tavLst>
+                                            <p:tav tm="0">
+                                              <p:val>
+                                                <p:strVal val="ppt_y"/>
+                                              </p:val>
+                                            </p:tav>
+                                            <p:tav tm="100000">
+                                              <p:val>
+                                                <p:strVal val="0-ppt_h/2"/>
+                                              </p:val>
+                                            </p:tav>
+                                          </p:tavLst>
+                                        </p:anim>
+                                        <p:set>
+                                          <p:cBhvr>
+                                            <p:cTn id="98" dur="1" fill="hold">
+                                              <p:stCondLst>
+                                                <p:cond delay="499"/>
+                                              </p:stCondLst>
+                                            </p:cTn>
+                                            <p:tgtEl>
+                                              <p:spTgt spid="3"/>
+                                            </p:tgtEl>
+                                            <p:attrNameLst>
+                                              <p:attrName>style.visibility</p:attrName>
+                                            </p:attrNameLst>
+                                          </p:cBhvr>
+                                          <p:to>
+                                            <p:strVal val="hidden"/>
+                                          </p:to>
+                                        </p:set>
+                                      </p:childTnLst>
+                                    </p:cTn>
+                                  </p:par>
+                                  <p:par>
+                                    <p:cTn id="99" presetID="2" presetClass="exit" presetSubtype="4" fill="hold" nodeType="withEffect">
+                                      <p:stCondLst>
+                                        <p:cond delay="0"/>
+                                      </p:stCondLst>
+                                      <p:childTnLst>
+                                        <p:anim calcmode="lin" valueType="num">
+                                          <p:cBhvr additive="base">
+                                            <p:cTn id="100" dur="500"/>
+                                            <p:tgtEl>
+                                              <p:spTgt spid="5"/>
+                                            </p:tgtEl>
+                                            <p:attrNameLst>
+                                              <p:attrName>ppt_x</p:attrName>
+                                            </p:attrNameLst>
+                                          </p:cBhvr>
+                                          <p:tavLst>
+                                            <p:tav tm="0">
+                                              <p:val>
+                                                <p:strVal val="ppt_x"/>
+                                              </p:val>
+                                            </p:tav>
+                                            <p:tav tm="100000">
+                                              <p:val>
+                                                <p:strVal val="ppt_x"/>
+                                              </p:val>
+                                            </p:tav>
+                                          </p:tavLst>
+                                        </p:anim>
+                                        <p:anim calcmode="lin" valueType="num">
+                                          <p:cBhvr additive="base">
+                                            <p:cTn id="101" dur="500"/>
+                                            <p:tgtEl>
+                                              <p:spTgt spid="5"/>
+                                            </p:tgtEl>
+                                            <p:attrNameLst>
+                                              <p:attrName>ppt_y</p:attrName>
+                                            </p:attrNameLst>
+                                          </p:cBhvr>
+                                          <p:tavLst>
+                                            <p:tav tm="0">
+                                              <p:val>
+                                                <p:strVal val="ppt_y"/>
+                                              </p:val>
+                                            </p:tav>
+                                            <p:tav tm="100000">
+                                              <p:val>
+                                                <p:strVal val="1+ppt_h/2"/>
+                                              </p:val>
+                                            </p:tav>
+                                          </p:tavLst>
+                                        </p:anim>
+                                        <p:set>
+                                          <p:cBhvr>
+                                            <p:cTn id="102" dur="1" fill="hold">
+                                              <p:stCondLst>
+                                                <p:cond delay="499"/>
+                                              </p:stCondLst>
+                                            </p:cTn>
+                                            <p:tgtEl>
+                                              <p:spTgt spid="5"/>
                                             </p:tgtEl>
                                             <p:attrNameLst>
                                               <p:attrName>style.visibility</p:attrName>
@@ -11186,512 +11374,20 @@
                               </p:cTn>
                             </p:par>
                             <p:par>
-                              <p:cTn id="95" fill="hold">
+                              <p:cTn id="103" fill="hold">
                                 <p:stCondLst>
                                   <p:cond delay="500"/>
                                 </p:stCondLst>
                                 <p:childTnLst>
                                   <p:par>
-                                    <p:cTn id="96" presetID="2" presetClass="entr" presetSubtype="2" fill="hold" nodeType="afterEffect" p14:presetBounceEnd="50000">
+                                    <p:cTn id="104" presetID="53" presetClass="entr" presetSubtype="16" fill="hold" grpId="0" nodeType="afterEffect">
                                       <p:stCondLst>
                                         <p:cond delay="0"/>
                                       </p:stCondLst>
                                       <p:childTnLst>
                                         <p:set>
                                           <p:cBhvr>
-                                            <p:cTn id="97" dur="1" fill="hold">
-                                              <p:stCondLst>
-                                                <p:cond delay="0"/>
-                                              </p:stCondLst>
-                                            </p:cTn>
-                                            <p:tgtEl>
-                                              <p:spTgt spid="13"/>
-                                            </p:tgtEl>
-                                            <p:attrNameLst>
-                                              <p:attrName>style.visibility</p:attrName>
-                                            </p:attrNameLst>
-                                          </p:cBhvr>
-                                          <p:to>
-                                            <p:strVal val="visible"/>
-                                          </p:to>
-                                        </p:set>
-                                        <p:anim calcmode="lin" valueType="num" p14:bounceEnd="50000">
-                                          <p:cBhvr additive="base">
-                                            <p:cTn id="98" dur="1500" fill="hold"/>
-                                            <p:tgtEl>
-                                              <p:spTgt spid="13"/>
-                                            </p:tgtEl>
-                                            <p:attrNameLst>
-                                              <p:attrName>ppt_x</p:attrName>
-                                            </p:attrNameLst>
-                                          </p:cBhvr>
-                                          <p:tavLst>
-                                            <p:tav tm="0">
-                                              <p:val>
-                                                <p:strVal val="1+#ppt_w/2"/>
-                                              </p:val>
-                                            </p:tav>
-                                            <p:tav tm="100000">
-                                              <p:val>
-                                                <p:strVal val="#ppt_x"/>
-                                              </p:val>
-                                            </p:tav>
-                                          </p:tavLst>
-                                        </p:anim>
-                                        <p:anim calcmode="lin" valueType="num" p14:bounceEnd="50000">
-                                          <p:cBhvr additive="base">
-                                            <p:cTn id="99" dur="1500" fill="hold"/>
-                                            <p:tgtEl>
-                                              <p:spTgt spid="13"/>
-                                            </p:tgtEl>
-                                            <p:attrNameLst>
-                                              <p:attrName>ppt_y</p:attrName>
-                                            </p:attrNameLst>
-                                          </p:cBhvr>
-                                          <p:tavLst>
-                                            <p:tav tm="0">
-                                              <p:val>
-                                                <p:strVal val="#ppt_y"/>
-                                              </p:val>
-                                            </p:tav>
-                                            <p:tav tm="100000">
-                                              <p:val>
-                                                <p:strVal val="#ppt_y"/>
-                                              </p:val>
-                                            </p:tav>
-                                          </p:tavLst>
-                                        </p:anim>
-                                      </p:childTnLst>
-                                    </p:cTn>
-                                  </p:par>
-                                </p:childTnLst>
-                              </p:cTn>
-                            </p:par>
-                          </p:childTnLst>
-                        </p:cTn>
-                      </p:par>
-                      <p:par>
-                        <p:cTn id="100" fill="hold">
-                          <p:stCondLst>
-                            <p:cond delay="indefinite"/>
-                          </p:stCondLst>
-                          <p:childTnLst>
-                            <p:par>
-                              <p:cTn id="101" fill="hold">
-                                <p:stCondLst>
-                                  <p:cond delay="0"/>
-                                </p:stCondLst>
-                                <p:childTnLst>
-                                  <p:par>
-                                    <p:cTn id="102" presetID="2" presetClass="exit" presetSubtype="2" fill="hold" nodeType="clickEffect">
-                                      <p:stCondLst>
-                                        <p:cond delay="0"/>
-                                      </p:stCondLst>
-                                      <p:childTnLst>
-                                        <p:anim calcmode="lin" valueType="num">
-                                          <p:cBhvr additive="base">
-                                            <p:cTn id="103" dur="500"/>
-                                            <p:tgtEl>
-                                              <p:spTgt spid="13"/>
-                                            </p:tgtEl>
-                                            <p:attrNameLst>
-                                              <p:attrName>ppt_x</p:attrName>
-                                            </p:attrNameLst>
-                                          </p:cBhvr>
-                                          <p:tavLst>
-                                            <p:tav tm="0">
-                                              <p:val>
-                                                <p:strVal val="ppt_x"/>
-                                              </p:val>
-                                            </p:tav>
-                                            <p:tav tm="100000">
-                                              <p:val>
-                                                <p:strVal val="1+ppt_w/2"/>
-                                              </p:val>
-                                            </p:tav>
-                                          </p:tavLst>
-                                        </p:anim>
-                                        <p:anim calcmode="lin" valueType="num">
-                                          <p:cBhvr additive="base">
-                                            <p:cTn id="104" dur="500"/>
-                                            <p:tgtEl>
-                                              <p:spTgt spid="13"/>
-                                            </p:tgtEl>
-                                            <p:attrNameLst>
-                                              <p:attrName>ppt_y</p:attrName>
-                                            </p:attrNameLst>
-                                          </p:cBhvr>
-                                          <p:tavLst>
-                                            <p:tav tm="0">
-                                              <p:val>
-                                                <p:strVal val="ppt_y"/>
-                                              </p:val>
-                                            </p:tav>
-                                            <p:tav tm="100000">
-                                              <p:val>
-                                                <p:strVal val="ppt_y"/>
-                                              </p:val>
-                                            </p:tav>
-                                          </p:tavLst>
-                                        </p:anim>
-                                        <p:set>
-                                          <p:cBhvr>
                                             <p:cTn id="105" dur="1" fill="hold">
-                                              <p:stCondLst>
-                                                <p:cond delay="499"/>
-                                              </p:stCondLst>
-                                            </p:cTn>
-                                            <p:tgtEl>
-                                              <p:spTgt spid="13"/>
-                                            </p:tgtEl>
-                                            <p:attrNameLst>
-                                              <p:attrName>style.visibility</p:attrName>
-                                            </p:attrNameLst>
-                                          </p:cBhvr>
-                                          <p:to>
-                                            <p:strVal val="hidden"/>
-                                          </p:to>
-                                        </p:set>
-                                      </p:childTnLst>
-                                    </p:cTn>
-                                  </p:par>
-                                </p:childTnLst>
-                              </p:cTn>
-                            </p:par>
-                            <p:par>
-                              <p:cTn id="106" fill="hold">
-                                <p:stCondLst>
-                                  <p:cond delay="500"/>
-                                </p:stCondLst>
-                                <p:childTnLst>
-                                  <p:par>
-                                    <p:cTn id="107" presetID="2" presetClass="entr" presetSubtype="2" fill="hold" nodeType="afterEffect" p14:presetBounceEnd="50000">
-                                      <p:stCondLst>
-                                        <p:cond delay="0"/>
-                                      </p:stCondLst>
-                                      <p:childTnLst>
-                                        <p:set>
-                                          <p:cBhvr>
-                                            <p:cTn id="108" dur="1" fill="hold">
-                                              <p:stCondLst>
-                                                <p:cond delay="0"/>
-                                              </p:stCondLst>
-                                            </p:cTn>
-                                            <p:tgtEl>
-                                              <p:spTgt spid="14"/>
-                                            </p:tgtEl>
-                                            <p:attrNameLst>
-                                              <p:attrName>style.visibility</p:attrName>
-                                            </p:attrNameLst>
-                                          </p:cBhvr>
-                                          <p:to>
-                                            <p:strVal val="visible"/>
-                                          </p:to>
-                                        </p:set>
-                                        <p:anim calcmode="lin" valueType="num" p14:bounceEnd="50000">
-                                          <p:cBhvr additive="base">
-                                            <p:cTn id="109" dur="1500" fill="hold"/>
-                                            <p:tgtEl>
-                                              <p:spTgt spid="14"/>
-                                            </p:tgtEl>
-                                            <p:attrNameLst>
-                                              <p:attrName>ppt_x</p:attrName>
-                                            </p:attrNameLst>
-                                          </p:cBhvr>
-                                          <p:tavLst>
-                                            <p:tav tm="0">
-                                              <p:val>
-                                                <p:strVal val="1+#ppt_w/2"/>
-                                              </p:val>
-                                            </p:tav>
-                                            <p:tav tm="100000">
-                                              <p:val>
-                                                <p:strVal val="#ppt_x"/>
-                                              </p:val>
-                                            </p:tav>
-                                          </p:tavLst>
-                                        </p:anim>
-                                        <p:anim calcmode="lin" valueType="num" p14:bounceEnd="50000">
-                                          <p:cBhvr additive="base">
-                                            <p:cTn id="110" dur="1500" fill="hold"/>
-                                            <p:tgtEl>
-                                              <p:spTgt spid="14"/>
-                                            </p:tgtEl>
-                                            <p:attrNameLst>
-                                              <p:attrName>ppt_y</p:attrName>
-                                            </p:attrNameLst>
-                                          </p:cBhvr>
-                                          <p:tavLst>
-                                            <p:tav tm="0">
-                                              <p:val>
-                                                <p:strVal val="#ppt_y"/>
-                                              </p:val>
-                                            </p:tav>
-                                            <p:tav tm="100000">
-                                              <p:val>
-                                                <p:strVal val="#ppt_y"/>
-                                              </p:val>
-                                            </p:tav>
-                                          </p:tavLst>
-                                        </p:anim>
-                                      </p:childTnLst>
-                                    </p:cTn>
-                                  </p:par>
-                                </p:childTnLst>
-                              </p:cTn>
-                            </p:par>
-                          </p:childTnLst>
-                        </p:cTn>
-                      </p:par>
-                      <p:par>
-                        <p:cTn id="111" fill="hold">
-                          <p:stCondLst>
-                            <p:cond delay="indefinite"/>
-                          </p:stCondLst>
-                          <p:childTnLst>
-                            <p:par>
-                              <p:cTn id="112" fill="hold">
-                                <p:stCondLst>
-                                  <p:cond delay="0"/>
-                                </p:stCondLst>
-                                <p:childTnLst>
-                                  <p:par>
-                                    <p:cTn id="113" presetID="2" presetClass="exit" presetSubtype="2" fill="hold" nodeType="clickEffect">
-                                      <p:stCondLst>
-                                        <p:cond delay="0"/>
-                                      </p:stCondLst>
-                                      <p:childTnLst>
-                                        <p:anim calcmode="lin" valueType="num">
-                                          <p:cBhvr additive="base">
-                                            <p:cTn id="114" dur="500"/>
-                                            <p:tgtEl>
-                                              <p:spTgt spid="14"/>
-                                            </p:tgtEl>
-                                            <p:attrNameLst>
-                                              <p:attrName>ppt_x</p:attrName>
-                                            </p:attrNameLst>
-                                          </p:cBhvr>
-                                          <p:tavLst>
-                                            <p:tav tm="0">
-                                              <p:val>
-                                                <p:strVal val="ppt_x"/>
-                                              </p:val>
-                                            </p:tav>
-                                            <p:tav tm="100000">
-                                              <p:val>
-                                                <p:strVal val="1+ppt_w/2"/>
-                                              </p:val>
-                                            </p:tav>
-                                          </p:tavLst>
-                                        </p:anim>
-                                        <p:anim calcmode="lin" valueType="num">
-                                          <p:cBhvr additive="base">
-                                            <p:cTn id="115" dur="500"/>
-                                            <p:tgtEl>
-                                              <p:spTgt spid="14"/>
-                                            </p:tgtEl>
-                                            <p:attrNameLst>
-                                              <p:attrName>ppt_y</p:attrName>
-                                            </p:attrNameLst>
-                                          </p:cBhvr>
-                                          <p:tavLst>
-                                            <p:tav tm="0">
-                                              <p:val>
-                                                <p:strVal val="ppt_y"/>
-                                              </p:val>
-                                            </p:tav>
-                                            <p:tav tm="100000">
-                                              <p:val>
-                                                <p:strVal val="ppt_y"/>
-                                              </p:val>
-                                            </p:tav>
-                                          </p:tavLst>
-                                        </p:anim>
-                                        <p:set>
-                                          <p:cBhvr>
-                                            <p:cTn id="116" dur="1" fill="hold">
-                                              <p:stCondLst>
-                                                <p:cond delay="499"/>
-                                              </p:stCondLst>
-                                            </p:cTn>
-                                            <p:tgtEl>
-                                              <p:spTgt spid="14"/>
-                                            </p:tgtEl>
-                                            <p:attrNameLst>
-                                              <p:attrName>style.visibility</p:attrName>
-                                            </p:attrNameLst>
-                                          </p:cBhvr>
-                                          <p:to>
-                                            <p:strVal val="hidden"/>
-                                          </p:to>
-                                        </p:set>
-                                      </p:childTnLst>
-                                    </p:cTn>
-                                  </p:par>
-                                  <p:par>
-                                    <p:cTn id="117" presetID="2" presetClass="exit" presetSubtype="1" fill="hold" grpId="1" nodeType="withEffect">
-                                      <p:stCondLst>
-                                        <p:cond delay="0"/>
-                                      </p:stCondLst>
-                                      <p:childTnLst>
-                                        <p:anim calcmode="lin" valueType="num">
-                                          <p:cBhvr additive="base">
-                                            <p:cTn id="118" dur="500"/>
-                                            <p:tgtEl>
-                                              <p:spTgt spid="3"/>
-                                            </p:tgtEl>
-                                            <p:attrNameLst>
-                                              <p:attrName>ppt_x</p:attrName>
-                                            </p:attrNameLst>
-                                          </p:cBhvr>
-                                          <p:tavLst>
-                                            <p:tav tm="0">
-                                              <p:val>
-                                                <p:strVal val="ppt_x"/>
-                                              </p:val>
-                                            </p:tav>
-                                            <p:tav tm="100000">
-                                              <p:val>
-                                                <p:strVal val="ppt_x"/>
-                                              </p:val>
-                                            </p:tav>
-                                          </p:tavLst>
-                                        </p:anim>
-                                        <p:anim calcmode="lin" valueType="num">
-                                          <p:cBhvr additive="base">
-                                            <p:cTn id="119" dur="500"/>
-                                            <p:tgtEl>
-                                              <p:spTgt spid="3"/>
-                                            </p:tgtEl>
-                                            <p:attrNameLst>
-                                              <p:attrName>ppt_y</p:attrName>
-                                            </p:attrNameLst>
-                                          </p:cBhvr>
-                                          <p:tavLst>
-                                            <p:tav tm="0">
-                                              <p:val>
-                                                <p:strVal val="ppt_y"/>
-                                              </p:val>
-                                            </p:tav>
-                                            <p:tav tm="100000">
-                                              <p:val>
-                                                <p:strVal val="0-ppt_h/2"/>
-                                              </p:val>
-                                            </p:tav>
-                                          </p:tavLst>
-                                        </p:anim>
-                                        <p:set>
-                                          <p:cBhvr>
-                                            <p:cTn id="120" dur="1" fill="hold">
-                                              <p:stCondLst>
-                                                <p:cond delay="499"/>
-                                              </p:stCondLst>
-                                            </p:cTn>
-                                            <p:tgtEl>
-                                              <p:spTgt spid="3"/>
-                                            </p:tgtEl>
-                                            <p:attrNameLst>
-                                              <p:attrName>style.visibility</p:attrName>
-                                            </p:attrNameLst>
-                                          </p:cBhvr>
-                                          <p:to>
-                                            <p:strVal val="hidden"/>
-                                          </p:to>
-                                        </p:set>
-                                      </p:childTnLst>
-                                    </p:cTn>
-                                  </p:par>
-                                  <p:par>
-                                    <p:cTn id="121" presetID="2" presetClass="exit" presetSubtype="4" fill="hold" nodeType="withEffect">
-                                      <p:stCondLst>
-                                        <p:cond delay="0"/>
-                                      </p:stCondLst>
-                                      <p:childTnLst>
-                                        <p:anim calcmode="lin" valueType="num">
-                                          <p:cBhvr additive="base">
-                                            <p:cTn id="122" dur="500"/>
-                                            <p:tgtEl>
-                                              <p:spTgt spid="5"/>
-                                            </p:tgtEl>
-                                            <p:attrNameLst>
-                                              <p:attrName>ppt_x</p:attrName>
-                                            </p:attrNameLst>
-                                          </p:cBhvr>
-                                          <p:tavLst>
-                                            <p:tav tm="0">
-                                              <p:val>
-                                                <p:strVal val="ppt_x"/>
-                                              </p:val>
-                                            </p:tav>
-                                            <p:tav tm="100000">
-                                              <p:val>
-                                                <p:strVal val="ppt_x"/>
-                                              </p:val>
-                                            </p:tav>
-                                          </p:tavLst>
-                                        </p:anim>
-                                        <p:anim calcmode="lin" valueType="num">
-                                          <p:cBhvr additive="base">
-                                            <p:cTn id="123" dur="500"/>
-                                            <p:tgtEl>
-                                              <p:spTgt spid="5"/>
-                                            </p:tgtEl>
-                                            <p:attrNameLst>
-                                              <p:attrName>ppt_y</p:attrName>
-                                            </p:attrNameLst>
-                                          </p:cBhvr>
-                                          <p:tavLst>
-                                            <p:tav tm="0">
-                                              <p:val>
-                                                <p:strVal val="ppt_y"/>
-                                              </p:val>
-                                            </p:tav>
-                                            <p:tav tm="100000">
-                                              <p:val>
-                                                <p:strVal val="1+ppt_h/2"/>
-                                              </p:val>
-                                            </p:tav>
-                                          </p:tavLst>
-                                        </p:anim>
-                                        <p:set>
-                                          <p:cBhvr>
-                                            <p:cTn id="124" dur="1" fill="hold">
-                                              <p:stCondLst>
-                                                <p:cond delay="499"/>
-                                              </p:stCondLst>
-                                            </p:cTn>
-                                            <p:tgtEl>
-                                              <p:spTgt spid="5"/>
-                                            </p:tgtEl>
-                                            <p:attrNameLst>
-                                              <p:attrName>style.visibility</p:attrName>
-                                            </p:attrNameLst>
-                                          </p:cBhvr>
-                                          <p:to>
-                                            <p:strVal val="hidden"/>
-                                          </p:to>
-                                        </p:set>
-                                      </p:childTnLst>
-                                    </p:cTn>
-                                  </p:par>
-                                </p:childTnLst>
-                              </p:cTn>
-                            </p:par>
-                            <p:par>
-                              <p:cTn id="125" fill="hold">
-                                <p:stCondLst>
-                                  <p:cond delay="500"/>
-                                </p:stCondLst>
-                                <p:childTnLst>
-                                  <p:par>
-                                    <p:cTn id="126" presetID="53" presetClass="entr" presetSubtype="16" fill="hold" grpId="0" nodeType="afterEffect">
-                                      <p:stCondLst>
-                                        <p:cond delay="0"/>
-                                      </p:stCondLst>
-                                      <p:childTnLst>
-                                        <p:set>
-                                          <p:cBhvr>
-                                            <p:cTn id="127" dur="1" fill="hold">
                                               <p:stCondLst>
                                                 <p:cond delay="0"/>
                                               </p:stCondLst>
@@ -11709,7 +11405,7 @@
                                         </p:set>
                                         <p:anim calcmode="lin" valueType="num">
                                           <p:cBhvr>
-                                            <p:cTn id="128" dur="500" fill="hold"/>
+                                            <p:cTn id="106" dur="500" fill="hold"/>
                                             <p:tgtEl>
                                               <p:spTgt spid="2"/>
                                             </p:tgtEl>
@@ -11732,7 +11428,7 @@
                                         </p:anim>
                                         <p:anim calcmode="lin" valueType="num">
                                           <p:cBhvr>
-                                            <p:cTn id="129" dur="500" fill="hold"/>
+                                            <p:cTn id="107" dur="500" fill="hold"/>
                                             <p:tgtEl>
                                               <p:spTgt spid="2"/>
                                             </p:tgtEl>
@@ -11755,7 +11451,7 @@
                                         </p:anim>
                                         <p:animEffect transition="in" filter="fade">
                                           <p:cBhvr>
-                                            <p:cTn id="130" dur="500"/>
+                                            <p:cTn id="108" dur="500"/>
                                             <p:tgtEl>
                                               <p:spTgt spid="2"/>
                                             </p:tgtEl>
@@ -12386,7 +12082,7 @@
                                               </p:stCondLst>
                                             </p:cTn>
                                             <p:tgtEl>
-                                              <p:spTgt spid="8"/>
+                                              <p:spTgt spid="4"/>
                                             </p:tgtEl>
                                             <p:attrNameLst>
                                               <p:attrName>style.visibility</p:attrName>
@@ -12400,7 +12096,7 @@
                                           <p:cBhvr additive="base">
                                             <p:cTn id="43" dur="1500" fill="hold"/>
                                             <p:tgtEl>
-                                              <p:spTgt spid="8"/>
+                                              <p:spTgt spid="4"/>
                                             </p:tgtEl>
                                             <p:attrNameLst>
                                               <p:attrName>ppt_x</p:attrName>
@@ -12423,7 +12119,7 @@
                                           <p:cBhvr additive="base">
                                             <p:cTn id="44" dur="1500" fill="hold"/>
                                             <p:tgtEl>
-                                              <p:spTgt spid="8"/>
+                                              <p:spTgt spid="4"/>
                                             </p:tgtEl>
                                             <p:attrNameLst>
                                               <p:attrName>ppt_y</p:attrName>
@@ -12473,7 +12169,7 @@
                                           <p:cBhvr additive="base">
                                             <p:cTn id="48" dur="500"/>
                                             <p:tgtEl>
-                                              <p:spTgt spid="8"/>
+                                              <p:spTgt spid="4"/>
                                             </p:tgtEl>
                                             <p:attrNameLst>
                                               <p:attrName>ppt_x</p:attrName>
@@ -12496,7 +12192,7 @@
                                           <p:cBhvr additive="base">
                                             <p:cTn id="49" dur="500"/>
                                             <p:tgtEl>
-                                              <p:spTgt spid="8"/>
+                                              <p:spTgt spid="4"/>
                                             </p:tgtEl>
                                             <p:attrNameLst>
                                               <p:attrName>ppt_y</p:attrName>
@@ -12523,7 +12219,7 @@
                                               </p:stCondLst>
                                             </p:cTn>
                                             <p:tgtEl>
-                                              <p:spTgt spid="8"/>
+                                              <p:spTgt spid="4"/>
                                             </p:tgtEl>
                                             <p:attrNameLst>
                                               <p:attrName>style.visibility</p:attrName>
@@ -12559,7 +12255,7 @@
                                               </p:stCondLst>
                                             </p:cTn>
                                             <p:tgtEl>
-                                              <p:spTgt spid="9"/>
+                                              <p:spTgt spid="10"/>
                                             </p:tgtEl>
                                             <p:attrNameLst>
                                               <p:attrName>style.visibility</p:attrName>
@@ -12573,7 +12269,7 @@
                                           <p:cBhvr additive="base">
                                             <p:cTn id="54" dur="1500" fill="hold"/>
                                             <p:tgtEl>
-                                              <p:spTgt spid="9"/>
+                                              <p:spTgt spid="10"/>
                                             </p:tgtEl>
                                             <p:attrNameLst>
                                               <p:attrName>ppt_x</p:attrName>
@@ -12596,7 +12292,7 @@
                                           <p:cBhvr additive="base">
                                             <p:cTn id="55" dur="1500" fill="hold"/>
                                             <p:tgtEl>
-                                              <p:spTgt spid="9"/>
+                                              <p:spTgt spid="10"/>
                                             </p:tgtEl>
                                             <p:attrNameLst>
                                               <p:attrName>ppt_y</p:attrName>
@@ -12646,7 +12342,7 @@
                                           <p:cBhvr additive="base">
                                             <p:cTn id="59" dur="500"/>
                                             <p:tgtEl>
-                                              <p:spTgt spid="9"/>
+                                              <p:spTgt spid="10"/>
                                             </p:tgtEl>
                                             <p:attrNameLst>
                                               <p:attrName>ppt_x</p:attrName>
@@ -12669,7 +12365,7 @@
                                           <p:cBhvr additive="base">
                                             <p:cTn id="60" dur="500"/>
                                             <p:tgtEl>
-                                              <p:spTgt spid="9"/>
+                                              <p:spTgt spid="10"/>
                                             </p:tgtEl>
                                             <p:attrNameLst>
                                               <p:attrName>ppt_y</p:attrName>
@@ -12696,7 +12392,7 @@
                                               </p:stCondLst>
                                             </p:cTn>
                                             <p:tgtEl>
-                                              <p:spTgt spid="9"/>
+                                              <p:spTgt spid="10"/>
                                             </p:tgtEl>
                                             <p:attrNameLst>
                                               <p:attrName>style.visibility</p:attrName>
@@ -12732,7 +12428,7 @@
                                               </p:stCondLst>
                                             </p:cTn>
                                             <p:tgtEl>
-                                              <p:spTgt spid="10"/>
+                                              <p:spTgt spid="11"/>
                                             </p:tgtEl>
                                             <p:attrNameLst>
                                               <p:attrName>style.visibility</p:attrName>
@@ -12746,7 +12442,7 @@
                                           <p:cBhvr additive="base">
                                             <p:cTn id="65" dur="1500" fill="hold"/>
                                             <p:tgtEl>
-                                              <p:spTgt spid="10"/>
+                                              <p:spTgt spid="11"/>
                                             </p:tgtEl>
                                             <p:attrNameLst>
                                               <p:attrName>ppt_x</p:attrName>
@@ -12769,7 +12465,7 @@
                                           <p:cBhvr additive="base">
                                             <p:cTn id="66" dur="1500" fill="hold"/>
                                             <p:tgtEl>
-                                              <p:spTgt spid="10"/>
+                                              <p:spTgt spid="11"/>
                                             </p:tgtEl>
                                             <p:attrNameLst>
                                               <p:attrName>ppt_y</p:attrName>
@@ -12819,7 +12515,7 @@
                                           <p:cBhvr additive="base">
                                             <p:cTn id="70" dur="500"/>
                                             <p:tgtEl>
-                                              <p:spTgt spid="10"/>
+                                              <p:spTgt spid="11"/>
                                             </p:tgtEl>
                                             <p:attrNameLst>
                                               <p:attrName>ppt_x</p:attrName>
@@ -12842,7 +12538,7 @@
                                           <p:cBhvr additive="base">
                                             <p:cTn id="71" dur="500"/>
                                             <p:tgtEl>
-                                              <p:spTgt spid="10"/>
+                                              <p:spTgt spid="11"/>
                                             </p:tgtEl>
                                             <p:attrNameLst>
                                               <p:attrName>ppt_y</p:attrName>
@@ -12869,7 +12565,7 @@
                                               </p:stCondLst>
                                             </p:cTn>
                                             <p:tgtEl>
-                                              <p:spTgt spid="10"/>
+                                              <p:spTgt spid="11"/>
                                             </p:tgtEl>
                                             <p:attrNameLst>
                                               <p:attrName>style.visibility</p:attrName>
@@ -12905,7 +12601,7 @@
                                               </p:stCondLst>
                                             </p:cTn>
                                             <p:tgtEl>
-                                              <p:spTgt spid="11"/>
+                                              <p:spTgt spid="12"/>
                                             </p:tgtEl>
                                             <p:attrNameLst>
                                               <p:attrName>style.visibility</p:attrName>
@@ -12919,7 +12615,7 @@
                                           <p:cBhvr additive="base">
                                             <p:cTn id="76" dur="1500" fill="hold"/>
                                             <p:tgtEl>
-                                              <p:spTgt spid="11"/>
+                                              <p:spTgt spid="12"/>
                                             </p:tgtEl>
                                             <p:attrNameLst>
                                               <p:attrName>ppt_x</p:attrName>
@@ -12942,7 +12638,7 @@
                                           <p:cBhvr additive="base">
                                             <p:cTn id="77" dur="1500" fill="hold"/>
                                             <p:tgtEl>
-                                              <p:spTgt spid="11"/>
+                                              <p:spTgt spid="12"/>
                                             </p:tgtEl>
                                             <p:attrNameLst>
                                               <p:attrName>ppt_y</p:attrName>
@@ -12992,7 +12688,7 @@
                                           <p:cBhvr additive="base">
                                             <p:cTn id="81" dur="500"/>
                                             <p:tgtEl>
-                                              <p:spTgt spid="11"/>
+                                              <p:spTgt spid="12"/>
                                             </p:tgtEl>
                                             <p:attrNameLst>
                                               <p:attrName>ppt_x</p:attrName>
@@ -13015,7 +12711,7 @@
                                           <p:cBhvr additive="base">
                                             <p:cTn id="82" dur="500"/>
                                             <p:tgtEl>
-                                              <p:spTgt spid="11"/>
+                                              <p:spTgt spid="12"/>
                                             </p:tgtEl>
                                             <p:attrNameLst>
                                               <p:attrName>ppt_y</p:attrName>
@@ -13042,7 +12738,7 @@
                                               </p:stCondLst>
                                             </p:cTn>
                                             <p:tgtEl>
-                                              <p:spTgt spid="11"/>
+                                              <p:spTgt spid="12"/>
                                             </p:tgtEl>
                                             <p:attrNameLst>
                                               <p:attrName>style.visibility</p:attrName>
@@ -13078,7 +12774,7 @@
                                               </p:stCondLst>
                                             </p:cTn>
                                             <p:tgtEl>
-                                              <p:spTgt spid="12"/>
+                                              <p:spTgt spid="15"/>
                                             </p:tgtEl>
                                             <p:attrNameLst>
                                               <p:attrName>style.visibility</p:attrName>
@@ -13092,7 +12788,7 @@
                                           <p:cBhvr additive="base">
                                             <p:cTn id="87" dur="1500" fill="hold"/>
                                             <p:tgtEl>
-                                              <p:spTgt spid="12"/>
+                                              <p:spTgt spid="15"/>
                                             </p:tgtEl>
                                             <p:attrNameLst>
                                               <p:attrName>ppt_x</p:attrName>
@@ -13115,7 +12811,7 @@
                                           <p:cBhvr additive="base">
                                             <p:cTn id="88" dur="1500" fill="hold"/>
                                             <p:tgtEl>
-                                              <p:spTgt spid="12"/>
+                                              <p:spTgt spid="15"/>
                                             </p:tgtEl>
                                             <p:attrNameLst>
                                               <p:attrName>ppt_y</p:attrName>
@@ -13165,7 +12861,7 @@
                                           <p:cBhvr additive="base">
                                             <p:cTn id="92" dur="500"/>
                                             <p:tgtEl>
-                                              <p:spTgt spid="12"/>
+                                              <p:spTgt spid="15"/>
                                             </p:tgtEl>
                                             <p:attrNameLst>
                                               <p:attrName>ppt_x</p:attrName>
@@ -13188,7 +12884,7 @@
                                           <p:cBhvr additive="base">
                                             <p:cTn id="93" dur="500"/>
                                             <p:tgtEl>
-                                              <p:spTgt spid="12"/>
+                                              <p:spTgt spid="15"/>
                                             </p:tgtEl>
                                             <p:attrNameLst>
                                               <p:attrName>ppt_y</p:attrName>
@@ -13215,7 +12911,153 @@
                                               </p:stCondLst>
                                             </p:cTn>
                                             <p:tgtEl>
-                                              <p:spTgt spid="12"/>
+                                              <p:spTgt spid="15"/>
+                                            </p:tgtEl>
+                                            <p:attrNameLst>
+                                              <p:attrName>style.visibility</p:attrName>
+                                            </p:attrNameLst>
+                                          </p:cBhvr>
+                                          <p:to>
+                                            <p:strVal val="hidden"/>
+                                          </p:to>
+                                        </p:set>
+                                      </p:childTnLst>
+                                    </p:cTn>
+                                  </p:par>
+                                  <p:par>
+                                    <p:cTn id="95" presetID="2" presetClass="exit" presetSubtype="1" fill="hold" grpId="1" nodeType="withEffect">
+                                      <p:stCondLst>
+                                        <p:cond delay="0"/>
+                                      </p:stCondLst>
+                                      <p:childTnLst>
+                                        <p:anim calcmode="lin" valueType="num">
+                                          <p:cBhvr additive="base">
+                                            <p:cTn id="96" dur="500"/>
+                                            <p:tgtEl>
+                                              <p:spTgt spid="3"/>
+                                            </p:tgtEl>
+                                            <p:attrNameLst>
+                                              <p:attrName>ppt_x</p:attrName>
+                                            </p:attrNameLst>
+                                          </p:cBhvr>
+                                          <p:tavLst>
+                                            <p:tav tm="0">
+                                              <p:val>
+                                                <p:strVal val="ppt_x"/>
+                                              </p:val>
+                                            </p:tav>
+                                            <p:tav tm="100000">
+                                              <p:val>
+                                                <p:strVal val="ppt_x"/>
+                                              </p:val>
+                                            </p:tav>
+                                          </p:tavLst>
+                                        </p:anim>
+                                        <p:anim calcmode="lin" valueType="num">
+                                          <p:cBhvr additive="base">
+                                            <p:cTn id="97" dur="500"/>
+                                            <p:tgtEl>
+                                              <p:spTgt spid="3"/>
+                                            </p:tgtEl>
+                                            <p:attrNameLst>
+                                              <p:attrName>ppt_y</p:attrName>
+                                            </p:attrNameLst>
+                                          </p:cBhvr>
+                                          <p:tavLst>
+                                            <p:tav tm="0">
+                                              <p:val>
+                                                <p:strVal val="ppt_y"/>
+                                              </p:val>
+                                            </p:tav>
+                                            <p:tav tm="100000">
+                                              <p:val>
+                                                <p:strVal val="0-ppt_h/2"/>
+                                              </p:val>
+                                            </p:tav>
+                                          </p:tavLst>
+                                        </p:anim>
+                                        <p:set>
+                                          <p:cBhvr>
+                                            <p:cTn id="98" dur="1" fill="hold">
+                                              <p:stCondLst>
+                                                <p:cond delay="499"/>
+                                              </p:stCondLst>
+                                            </p:cTn>
+                                            <p:tgtEl>
+                                              <p:spTgt spid="3"/>
+                                            </p:tgtEl>
+                                            <p:attrNameLst>
+                                              <p:attrName>style.visibility</p:attrName>
+                                            </p:attrNameLst>
+                                          </p:cBhvr>
+                                          <p:to>
+                                            <p:strVal val="hidden"/>
+                                          </p:to>
+                                        </p:set>
+                                      </p:childTnLst>
+                                    </p:cTn>
+                                  </p:par>
+                                  <p:par>
+                                    <p:cTn id="99" presetID="2" presetClass="exit" presetSubtype="4" fill="hold" nodeType="withEffect">
+                                      <p:stCondLst>
+                                        <p:cond delay="0"/>
+                                      </p:stCondLst>
+                                      <p:childTnLst>
+                                        <p:anim calcmode="lin" valueType="num">
+                                          <p:cBhvr additive="base">
+                                            <p:cTn id="100" dur="500"/>
+                                            <p:tgtEl>
+                                              <p:spTgt spid="5"/>
+                                            </p:tgtEl>
+                                            <p:attrNameLst>
+                                              <p:attrName>ppt_x</p:attrName>
+                                            </p:attrNameLst>
+                                          </p:cBhvr>
+                                          <p:tavLst>
+                                            <p:tav tm="0">
+                                              <p:val>
+                                                <p:strVal val="ppt_x"/>
+                                              </p:val>
+                                            </p:tav>
+                                            <p:tav tm="100000">
+                                              <p:val>
+                                                <p:strVal val="ppt_x"/>
+                                              </p:val>
+                                            </p:tav>
+                                          </p:tavLst>
+                                        </p:anim>
+                                        <p:anim calcmode="lin" valueType="num">
+                                          <p:cBhvr additive="base">
+                                            <p:cTn id="101" dur="500"/>
+                                            <p:tgtEl>
+                                              <p:spTgt spid="5"/>
+                                            </p:tgtEl>
+                                            <p:attrNameLst>
+                                              <p:attrName>ppt_y</p:attrName>
+                                            </p:attrNameLst>
+                                          </p:cBhvr>
+                                          <p:tavLst>
+                                            <p:tav tm="0">
+                                              <p:val>
+                                                <p:strVal val="ppt_y"/>
+                                              </p:val>
+                                            </p:tav>
+                                            <p:tav tm="100000">
+                                              <p:val>
+                                                <p:strVal val="1+ppt_h/2"/>
+                                              </p:val>
+                                            </p:tav>
+                                          </p:tavLst>
+                                        </p:anim>
+                                        <p:set>
+                                          <p:cBhvr>
+                                            <p:cTn id="102" dur="1" fill="hold">
+                                              <p:stCondLst>
+                                                <p:cond delay="499"/>
+                                              </p:stCondLst>
+                                            </p:cTn>
+                                            <p:tgtEl>
+                                              <p:spTgt spid="5"/>
                                             </p:tgtEl>
                                             <p:attrNameLst>
                                               <p:attrName>style.visibility</p:attrName>
@@ -13232,512 +13074,20 @@
                               </p:cTn>
                             </p:par>
                             <p:par>
-                              <p:cTn id="95" fill="hold">
+                              <p:cTn id="103" fill="hold">
                                 <p:stCondLst>
                                   <p:cond delay="500"/>
                                 </p:stCondLst>
                                 <p:childTnLst>
                                   <p:par>
-                                    <p:cTn id="96" presetID="2" presetClass="entr" presetSubtype="2" fill="hold" nodeType="afterEffect">
+                                    <p:cTn id="104" presetID="53" presetClass="entr" presetSubtype="16" fill="hold" grpId="0" nodeType="afterEffect">
                                       <p:stCondLst>
                                         <p:cond delay="0"/>
                                       </p:stCondLst>
                                       <p:childTnLst>
                                         <p:set>
                                           <p:cBhvr>
-                                            <p:cTn id="97" dur="1" fill="hold">
-                                              <p:stCondLst>
-                                                <p:cond delay="0"/>
-                                              </p:stCondLst>
-                                            </p:cTn>
-                                            <p:tgtEl>
-                                              <p:spTgt spid="13"/>
-                                            </p:tgtEl>
-                                            <p:attrNameLst>
-                                              <p:attrName>style.visibility</p:attrName>
-                                            </p:attrNameLst>
-                                          </p:cBhvr>
-                                          <p:to>
-                                            <p:strVal val="visible"/>
-                                          </p:to>
-                                        </p:set>
-                                        <p:anim calcmode="lin" valueType="num">
-                                          <p:cBhvr additive="base">
-                                            <p:cTn id="98" dur="1500" fill="hold"/>
-                                            <p:tgtEl>
-                                              <p:spTgt spid="13"/>
-                                            </p:tgtEl>
-                                            <p:attrNameLst>
-                                              <p:attrName>ppt_x</p:attrName>
-                                            </p:attrNameLst>
-                                          </p:cBhvr>
-                                          <p:tavLst>
-                                            <p:tav tm="0">
-                                              <p:val>
-                                                <p:strVal val="1+#ppt_w/2"/>
-                                              </p:val>
-                                            </p:tav>
-                                            <p:tav tm="100000">
-                                              <p:val>
-                                                <p:strVal val="#ppt_x"/>
-                                              </p:val>
-                                            </p:tav>
-                                          </p:tavLst>
-                                        </p:anim>
-                                        <p:anim calcmode="lin" valueType="num">
-                                          <p:cBhvr additive="base">
-                                            <p:cTn id="99" dur="1500" fill="hold"/>
-                                            <p:tgtEl>
-                                              <p:spTgt spid="13"/>
-                                            </p:tgtEl>
-                                            <p:attrNameLst>
-                                              <p:attrName>ppt_y</p:attrName>
-                                            </p:attrNameLst>
-                                          </p:cBhvr>
-                                          <p:tavLst>
-                                            <p:tav tm="0">
-                                              <p:val>
-                                                <p:strVal val="#ppt_y"/>
-                                              </p:val>
-                                            </p:tav>
-                                            <p:tav tm="100000">
-                                              <p:val>
-                                                <p:strVal val="#ppt_y"/>
-                                              </p:val>
-                                            </p:tav>
-                                          </p:tavLst>
-                                        </p:anim>
-                                      </p:childTnLst>
-                                    </p:cTn>
-                                  </p:par>
-                                </p:childTnLst>
-                              </p:cTn>
-                            </p:par>
-                          </p:childTnLst>
-                        </p:cTn>
-                      </p:par>
-                      <p:par>
-                        <p:cTn id="100" fill="hold">
-                          <p:stCondLst>
-                            <p:cond delay="indefinite"/>
-                          </p:stCondLst>
-                          <p:childTnLst>
-                            <p:par>
-                              <p:cTn id="101" fill="hold">
-                                <p:stCondLst>
-                                  <p:cond delay="0"/>
-                                </p:stCondLst>
-                                <p:childTnLst>
-                                  <p:par>
-                                    <p:cTn id="102" presetID="2" presetClass="exit" presetSubtype="2" fill="hold" nodeType="clickEffect">
-                                      <p:stCondLst>
-                                        <p:cond delay="0"/>
-                                      </p:stCondLst>
-                                      <p:childTnLst>
-                                        <p:anim calcmode="lin" valueType="num">
-                                          <p:cBhvr additive="base">
-                                            <p:cTn id="103" dur="500"/>
-                                            <p:tgtEl>
-                                              <p:spTgt spid="13"/>
-                                            </p:tgtEl>
-                                            <p:attrNameLst>
-                                              <p:attrName>ppt_x</p:attrName>
-                                            </p:attrNameLst>
-                                          </p:cBhvr>
-                                          <p:tavLst>
-                                            <p:tav tm="0">
-                                              <p:val>
-                                                <p:strVal val="ppt_x"/>
-                                              </p:val>
-                                            </p:tav>
-                                            <p:tav tm="100000">
-                                              <p:val>
-                                                <p:strVal val="1+ppt_w/2"/>
-                                              </p:val>
-                                            </p:tav>
-                                          </p:tavLst>
-                                        </p:anim>
-                                        <p:anim calcmode="lin" valueType="num">
-                                          <p:cBhvr additive="base">
-                                            <p:cTn id="104" dur="500"/>
-                                            <p:tgtEl>
-                                              <p:spTgt spid="13"/>
-                                            </p:tgtEl>
-                                            <p:attrNameLst>
-                                              <p:attrName>ppt_y</p:attrName>
-                                            </p:attrNameLst>
-                                          </p:cBhvr>
-                                          <p:tavLst>
-                                            <p:tav tm="0">
-                                              <p:val>
-                                                <p:strVal val="ppt_y"/>
-                                              </p:val>
-                                            </p:tav>
-                                            <p:tav tm="100000">
-                                              <p:val>
-                                                <p:strVal val="ppt_y"/>
-                                              </p:val>
-                                            </p:tav>
-                                          </p:tavLst>
-                                        </p:anim>
-                                        <p:set>
-                                          <p:cBhvr>
                                             <p:cTn id="105" dur="1" fill="hold">
-                                              <p:stCondLst>
-                                                <p:cond delay="499"/>
-                                              </p:stCondLst>
-                                            </p:cTn>
-                                            <p:tgtEl>
-                                              <p:spTgt spid="13"/>
-                                            </p:tgtEl>
-                                            <p:attrNameLst>
-                                              <p:attrName>style.visibility</p:attrName>
-                                            </p:attrNameLst>
-                                          </p:cBhvr>
-                                          <p:to>
-                                            <p:strVal val="hidden"/>
-                                          </p:to>
-                                        </p:set>
-                                      </p:childTnLst>
-                                    </p:cTn>
-                                  </p:par>
-                                </p:childTnLst>
-                              </p:cTn>
-                            </p:par>
-                            <p:par>
-                              <p:cTn id="106" fill="hold">
-                                <p:stCondLst>
-                                  <p:cond delay="500"/>
-                                </p:stCondLst>
-                                <p:childTnLst>
-                                  <p:par>
-                                    <p:cTn id="107" presetID="2" presetClass="entr" presetSubtype="2" fill="hold" nodeType="afterEffect">
-                                      <p:stCondLst>
-                                        <p:cond delay="0"/>
-                                      </p:stCondLst>
-                                      <p:childTnLst>
-                                        <p:set>
-                                          <p:cBhvr>
-                                            <p:cTn id="108" dur="1" fill="hold">
-                                              <p:stCondLst>
-                                                <p:cond delay="0"/>
-                                              </p:stCondLst>
-                                            </p:cTn>
-                                            <p:tgtEl>
-                                              <p:spTgt spid="14"/>
-                                            </p:tgtEl>
-                                            <p:attrNameLst>
-                                              <p:attrName>style.visibility</p:attrName>
-                                            </p:attrNameLst>
-                                          </p:cBhvr>
-                                          <p:to>
-                                            <p:strVal val="visible"/>
-                                          </p:to>
-                                        </p:set>
-                                        <p:anim calcmode="lin" valueType="num">
-                                          <p:cBhvr additive="base">
-                                            <p:cTn id="109" dur="1500" fill="hold"/>
-                                            <p:tgtEl>
-                                              <p:spTgt spid="14"/>
-                                            </p:tgtEl>
-                                            <p:attrNameLst>
-                                              <p:attrName>ppt_x</p:attrName>
-                                            </p:attrNameLst>
-                                          </p:cBhvr>
-                                          <p:tavLst>
-                                            <p:tav tm="0">
-                                              <p:val>
-                                                <p:strVal val="1+#ppt_w/2"/>
-                                              </p:val>
-                                            </p:tav>
-                                            <p:tav tm="100000">
-                                              <p:val>
-                                                <p:strVal val="#ppt_x"/>
-                                              </p:val>
-                                            </p:tav>
-                                          </p:tavLst>
-                                        </p:anim>
-                                        <p:anim calcmode="lin" valueType="num">
-                                          <p:cBhvr additive="base">
-                                            <p:cTn id="110" dur="1500" fill="hold"/>
-                                            <p:tgtEl>
-                                              <p:spTgt spid="14"/>
-                                            </p:tgtEl>
-                                            <p:attrNameLst>
-                                              <p:attrName>ppt_y</p:attrName>
-                                            </p:attrNameLst>
-                                          </p:cBhvr>
-                                          <p:tavLst>
-                                            <p:tav tm="0">
-                                              <p:val>
-                                                <p:strVal val="#ppt_y"/>
-                                              </p:val>
-                                            </p:tav>
-                                            <p:tav tm="100000">
-                                              <p:val>
-                                                <p:strVal val="#ppt_y"/>
-                                              </p:val>
-                                            </p:tav>
-                                          </p:tavLst>
-                                        </p:anim>
-                                      </p:childTnLst>
-                                    </p:cTn>
-                                  </p:par>
-                                </p:childTnLst>
-                              </p:cTn>
-                            </p:par>
-                          </p:childTnLst>
-                        </p:cTn>
-                      </p:par>
-                      <p:par>
-                        <p:cTn id="111" fill="hold">
-                          <p:stCondLst>
-                            <p:cond delay="indefinite"/>
-                          </p:stCondLst>
-                          <p:childTnLst>
-                            <p:par>
-                              <p:cTn id="112" fill="hold">
-                                <p:stCondLst>
-                                  <p:cond delay="0"/>
-                                </p:stCondLst>
-                                <p:childTnLst>
-                                  <p:par>
-                                    <p:cTn id="113" presetID="2" presetClass="exit" presetSubtype="2" fill="hold" nodeType="clickEffect">
-                                      <p:stCondLst>
-                                        <p:cond delay="0"/>
-                                      </p:stCondLst>
-                                      <p:childTnLst>
-                                        <p:anim calcmode="lin" valueType="num">
-                                          <p:cBhvr additive="base">
-                                            <p:cTn id="114" dur="500"/>
-                                            <p:tgtEl>
-                                              <p:spTgt spid="14"/>
-                                            </p:tgtEl>
-                                            <p:attrNameLst>
-                                              <p:attrName>ppt_x</p:attrName>
-                                            </p:attrNameLst>
-                                          </p:cBhvr>
-                                          <p:tavLst>
-                                            <p:tav tm="0">
-                                              <p:val>
-                                                <p:strVal val="ppt_x"/>
-                                              </p:val>
-                                            </p:tav>
-                                            <p:tav tm="100000">
-                                              <p:val>
-                                                <p:strVal val="1+ppt_w/2"/>
-                                              </p:val>
-                                            </p:tav>
-                                          </p:tavLst>
-                                        </p:anim>
-                                        <p:anim calcmode="lin" valueType="num">
-                                          <p:cBhvr additive="base">
-                                            <p:cTn id="115" dur="500"/>
-                                            <p:tgtEl>
-                                              <p:spTgt spid="14"/>
-                                            </p:tgtEl>
-                                            <p:attrNameLst>
-                                              <p:attrName>ppt_y</p:attrName>
-                                            </p:attrNameLst>
-                                          </p:cBhvr>
-                                          <p:tavLst>
-                                            <p:tav tm="0">
-                                              <p:val>
-                                                <p:strVal val="ppt_y"/>
-                                              </p:val>
-                                            </p:tav>
-                                            <p:tav tm="100000">
-                                              <p:val>
-                                                <p:strVal val="ppt_y"/>
-                                              </p:val>
-                                            </p:tav>
-                                          </p:tavLst>
-                                        </p:anim>
-                                        <p:set>
-                                          <p:cBhvr>
-                                            <p:cTn id="116" dur="1" fill="hold">
-                                              <p:stCondLst>
-                                                <p:cond delay="499"/>
-                                              </p:stCondLst>
-                                            </p:cTn>
-                                            <p:tgtEl>
-                                              <p:spTgt spid="14"/>
-                                            </p:tgtEl>
-                                            <p:attrNameLst>
-                                              <p:attrName>style.visibility</p:attrName>
-                                            </p:attrNameLst>
-                                          </p:cBhvr>
-                                          <p:to>
-                                            <p:strVal val="hidden"/>
-                                          </p:to>
-                                        </p:set>
-                                      </p:childTnLst>
-                                    </p:cTn>
-                                  </p:par>
-                                  <p:par>
-                                    <p:cTn id="117" presetID="2" presetClass="exit" presetSubtype="1" fill="hold" grpId="1" nodeType="withEffect">
-                                      <p:stCondLst>
-                                        <p:cond delay="0"/>
-                                      </p:stCondLst>
-                                      <p:childTnLst>
-                                        <p:anim calcmode="lin" valueType="num">
-                                          <p:cBhvr additive="base">
-                                            <p:cTn id="118" dur="500"/>
-                                            <p:tgtEl>
-                                              <p:spTgt spid="3"/>
-                                            </p:tgtEl>
-                                            <p:attrNameLst>
-                                              <p:attrName>ppt_x</p:attrName>
-                                            </p:attrNameLst>
-                                          </p:cBhvr>
-                                          <p:tavLst>
-                                            <p:tav tm="0">
-                                              <p:val>
-                                                <p:strVal val="ppt_x"/>
-                                              </p:val>
-                                            </p:tav>
-                                            <p:tav tm="100000">
-                                              <p:val>
-                                                <p:strVal val="ppt_x"/>
-                                              </p:val>
-                                            </p:tav>
-                                          </p:tavLst>
-                                        </p:anim>
-                                        <p:anim calcmode="lin" valueType="num">
-                                          <p:cBhvr additive="base">
-                                            <p:cTn id="119" dur="500"/>
-                                            <p:tgtEl>
-                                              <p:spTgt spid="3"/>
-                                            </p:tgtEl>
-                                            <p:attrNameLst>
-                                              <p:attrName>ppt_y</p:attrName>
-                                            </p:attrNameLst>
-                                          </p:cBhvr>
-                                          <p:tavLst>
-                                            <p:tav tm="0">
-                                              <p:val>
-                                                <p:strVal val="ppt_y"/>
-                                              </p:val>
-                                            </p:tav>
-                                            <p:tav tm="100000">
-                                              <p:val>
-                                                <p:strVal val="0-ppt_h/2"/>
-                                              </p:val>
-                                            </p:tav>
-                                          </p:tavLst>
-                                        </p:anim>
-                                        <p:set>
-                                          <p:cBhvr>
-                                            <p:cTn id="120" dur="1" fill="hold">
-                                              <p:stCondLst>
-                                                <p:cond delay="499"/>
-                                              </p:stCondLst>
-                                            </p:cTn>
-                                            <p:tgtEl>
-                                              <p:spTgt spid="3"/>
-                                            </p:tgtEl>
-                                            <p:attrNameLst>
-                                              <p:attrName>style.visibility</p:attrName>
-                                            </p:attrNameLst>
-                                          </p:cBhvr>
-                                          <p:to>
-                                            <p:strVal val="hidden"/>
-                                          </p:to>
-                                        </p:set>
-                                      </p:childTnLst>
-                                    </p:cTn>
-                                  </p:par>
-                                  <p:par>
-                                    <p:cTn id="121" presetID="2" presetClass="exit" presetSubtype="4" fill="hold" nodeType="withEffect">
-                                      <p:stCondLst>
-                                        <p:cond delay="0"/>
-                                      </p:stCondLst>
-                                      <p:childTnLst>
-                                        <p:anim calcmode="lin" valueType="num">
-                                          <p:cBhvr additive="base">
-                                            <p:cTn id="122" dur="500"/>
-                                            <p:tgtEl>
-                                              <p:spTgt spid="5"/>
-                                            </p:tgtEl>
-                                            <p:attrNameLst>
-                                              <p:attrName>ppt_x</p:attrName>
-                                            </p:attrNameLst>
-                                          </p:cBhvr>
-                                          <p:tavLst>
-                                            <p:tav tm="0">
-                                              <p:val>
-                                                <p:strVal val="ppt_x"/>
-                                              </p:val>
-                                            </p:tav>
-                                            <p:tav tm="100000">
-                                              <p:val>
-                                                <p:strVal val="ppt_x"/>
-                                              </p:val>
-                                            </p:tav>
-                                          </p:tavLst>
-                                        </p:anim>
-                                        <p:anim calcmode="lin" valueType="num">
-                                          <p:cBhvr additive="base">
-                                            <p:cTn id="123" dur="500"/>
-                                            <p:tgtEl>
-                                              <p:spTgt spid="5"/>
-                                            </p:tgtEl>
-                                            <p:attrNameLst>
-                                              <p:attrName>ppt_y</p:attrName>
-                                            </p:attrNameLst>
-                                          </p:cBhvr>
-                                          <p:tavLst>
-                                            <p:tav tm="0">
-                                              <p:val>
-                                                <p:strVal val="ppt_y"/>
-                                              </p:val>
-                                            </p:tav>
-                                            <p:tav tm="100000">
-                                              <p:val>
-                                                <p:strVal val="1+ppt_h/2"/>
-                                              </p:val>
-                                            </p:tav>
-                                          </p:tavLst>
-                                        </p:anim>
-                                        <p:set>
-                                          <p:cBhvr>
-                                            <p:cTn id="124" dur="1" fill="hold">
-                                              <p:stCondLst>
-                                                <p:cond delay="499"/>
-                                              </p:stCondLst>
-                                            </p:cTn>
-                                            <p:tgtEl>
-                                              <p:spTgt spid="5"/>
-                                            </p:tgtEl>
-                                            <p:attrNameLst>
-                                              <p:attrName>style.visibility</p:attrName>
-                                            </p:attrNameLst>
-                                          </p:cBhvr>
-                                          <p:to>
-                                            <p:strVal val="hidden"/>
-                                          </p:to>
-                                        </p:set>
-                                      </p:childTnLst>
-                                    </p:cTn>
-                                  </p:par>
-                                </p:childTnLst>
-                              </p:cTn>
-                            </p:par>
-                            <p:par>
-                              <p:cTn id="125" fill="hold">
-                                <p:stCondLst>
-                                  <p:cond delay="500"/>
-                                </p:stCondLst>
-                                <p:childTnLst>
-                                  <p:par>
-                                    <p:cTn id="126" presetID="53" presetClass="entr" presetSubtype="16" fill="hold" grpId="0" nodeType="afterEffect">
-                                      <p:stCondLst>
-                                        <p:cond delay="0"/>
-                                      </p:stCondLst>
-                                      <p:childTnLst>
-                                        <p:set>
-                                          <p:cBhvr>
-                                            <p:cTn id="127" dur="1" fill="hold">
                                               <p:stCondLst>
                                                 <p:cond delay="0"/>
                                               </p:stCondLst>
@@ -13755,7 +13105,7 @@
                                         </p:set>
                                         <p:anim calcmode="lin" valueType="num">
                                           <p:cBhvr>
-                                            <p:cTn id="128" dur="500" fill="hold"/>
+                                            <p:cTn id="106" dur="500" fill="hold"/>
                                             <p:tgtEl>
                                               <p:spTgt spid="2"/>
                                             </p:tgtEl>
@@ -13778,7 +13128,7 @@
                                         </p:anim>
                                         <p:anim calcmode="lin" valueType="num">
                                           <p:cBhvr>
-                                            <p:cTn id="129" dur="500" fill="hold"/>
+                                            <p:cTn id="107" dur="500" fill="hold"/>
                                             <p:tgtEl>
                                               <p:spTgt spid="2"/>
                                             </p:tgtEl>
@@ -13801,7 +13151,7 @@
                                         </p:anim>
                                         <p:animEffect transition="in" filter="fade">
                                           <p:cBhvr>
-                                            <p:cTn id="130" dur="500"/>
+                                            <p:cTn id="108" dur="500"/>
                                             <p:tgtEl>
                                               <p:spTgt spid="2"/>
                                             </p:tgtEl>
